--- a/reporting/pymupdf-reporting.pptx
+++ b/reporting/pymupdf-reporting.pptx
@@ -137,7 +137,7 @@
         <pc:chgData name="Harald Lieder" userId="ca2f8c5e4754aa01" providerId="LiveId" clId="{F1EA76B5-9D89-41A4-A3DD-5752B200F99D}" dt="2023-11-22T16:07:25.274" v="0" actId="2696"/>
         <pc:sldMkLst>
           <pc:docMk/>
-          <pc:sldMk cId="0" sldId="260"/>
+          <pc:sldMk cId="3572379191" sldId="260"/>
         </pc:sldMkLst>
       </pc:sldChg>
     </pc:docChg>
@@ -145,7 +145,7 @@
   <pc:docChgLst>
     <pc:chgData name="Harald Lieder" userId="ca2f8c5e4754aa01" providerId="LiveId" clId="{C1CCF4EA-234D-4410-B43C-0F6200305752}"/>
     <pc:docChg chg="undo custSel addSld delSld modSld sldOrd">
-      <pc:chgData name="Harald Lieder" userId="ca2f8c5e4754aa01" providerId="LiveId" clId="{C1CCF4EA-234D-4410-B43C-0F6200305752}" dt="2023-11-22T17:11:04.238" v="2074" actId="113"/>
+      <pc:chgData name="Harald Lieder" userId="ca2f8c5e4754aa01" providerId="LiveId" clId="{C1CCF4EA-234D-4410-B43C-0F6200305752}" dt="2023-11-25T15:45:21.417" v="2324" actId="20577"/>
       <pc:docMkLst>
         <pc:docMk/>
       </pc:docMkLst>
@@ -202,8 +202,8 @@
           </ac:spMkLst>
         </pc:spChg>
       </pc:sldChg>
-      <pc:sldChg chg="addSp delSp modSp add mod ord">
-        <pc:chgData name="Harald Lieder" userId="ca2f8c5e4754aa01" providerId="LiveId" clId="{C1CCF4EA-234D-4410-B43C-0F6200305752}" dt="2023-11-22T17:11:04.238" v="2074" actId="113"/>
+      <pc:sldChg chg="modSp mod">
+        <pc:chgData name="Harald Lieder" userId="ca2f8c5e4754aa01" providerId="LiveId" clId="{C1CCF4EA-234D-4410-B43C-0F6200305752}" dt="2023-11-25T15:45:21.417" v="2324" actId="20577"/>
         <pc:sldMkLst>
           <pc:docMk/>
           <pc:sldMk cId="3572379191" sldId="260"/>
@@ -216,8 +216,8 @@
             <ac:spMk id="2" creationId="{97445ECA-4149-69B8-7403-5BCBB19CB38D}"/>
           </ac:spMkLst>
         </pc:spChg>
-        <pc:spChg chg="add mod">
-          <ac:chgData name="Harald Lieder" userId="ca2f8c5e4754aa01" providerId="LiveId" clId="{C1CCF4EA-234D-4410-B43C-0F6200305752}" dt="2023-11-22T17:11:04.238" v="2074" actId="113"/>
+        <pc:spChg chg="mod">
+          <ac:chgData name="Harald Lieder" userId="ca2f8c5e4754aa01" providerId="LiveId" clId="{C1CCF4EA-234D-4410-B43C-0F6200305752}" dt="2023-11-25T13:33:27.066" v="2229" actId="114"/>
           <ac:spMkLst>
             <pc:docMk/>
             <pc:sldMk cId="3572379191" sldId="260"/>
@@ -233,7 +233,7 @@
           </ac:spMkLst>
         </pc:spChg>
         <pc:spChg chg="mod">
-          <ac:chgData name="Harald Lieder" userId="ca2f8c5e4754aa01" providerId="LiveId" clId="{C1CCF4EA-234D-4410-B43C-0F6200305752}" dt="2023-11-22T16:55:31.460" v="1593" actId="20577"/>
+          <ac:chgData name="Harald Lieder" userId="ca2f8c5e4754aa01" providerId="LiveId" clId="{C1CCF4EA-234D-4410-B43C-0F6200305752}" dt="2023-11-25T15:45:21.417" v="2324" actId="20577"/>
           <ac:spMkLst>
             <pc:docMk/>
             <pc:sldMk cId="3572379191" sldId="260"/>
@@ -7885,7 +7885,7 @@
         <p:spPr>
           <a:xfrm>
             <a:off x="402672" y="1792866"/>
-            <a:ext cx="5547920" cy="4399751"/>
+            <a:ext cx="5547920" cy="4091974"/>
           </a:xfrm>
           <a:prstGeom prst="rect">
             <a:avLst/>
@@ -7994,7 +7994,7 @@
                 <a:latin typeface="Calibri"/>
                 <a:ea typeface="DejaVu Sans"/>
               </a:rPr>
-              <a:t>Support of standard fonts like Helvetica, Times-Roman and CJK (Droid Sans Fallback) is included. Falling back to CJK happens automatically basd on the text.</a:t>
+              <a:t>Based on each piece of text, automatic selection of the right font from Google‘s NOTO fonts (includes Latin, CJK, Hindi, Tamil, and more).</a:t>
             </a:r>
           </a:p>
           <a:p>
@@ -8020,8 +8020,25 @@
                 <a:latin typeface="Calibri"/>
                 <a:ea typeface="DejaVu Sans"/>
               </a:rPr>
-              <a:t>User fonts can be included via appropriate CSS definitions. Elegant support for pymupdf-fonts.</a:t>
-            </a:r>
+              <a:t>User fonts can be included via appropriate CSS definitions. Elegant support </a:t>
+            </a:r>
+            <a:r>
+              <a:rPr lang="de-DE" sz="2000" spc="-1">
+                <a:solidFill>
+                  <a:srgbClr val="000000"/>
+                </a:solidFill>
+                <a:latin typeface="Calibri"/>
+                <a:ea typeface="DejaVu Sans"/>
+              </a:rPr>
+              <a:t>for pymupdf-fonts.</a:t>
+            </a:r>
+            <a:endParaRPr lang="de-DE" sz="2000" spc="-1" dirty="0">
+              <a:solidFill>
+                <a:srgbClr val="000000"/>
+              </a:solidFill>
+              <a:latin typeface="Calibri"/>
+              <a:ea typeface="DejaVu Sans"/>
+            </a:endParaRPr>
           </a:p>
           <a:p>
             <a:pPr marL="285840" indent="-285840">
@@ -8139,7 +8156,7 @@
         <p:spPr>
           <a:xfrm>
             <a:off x="6241409" y="1792866"/>
-            <a:ext cx="5419288" cy="4630583"/>
+            <a:ext cx="5419288" cy="4322807"/>
           </a:xfrm>
           <a:prstGeom prst="rect">
             <a:avLst/>
@@ -8235,17 +8252,17 @@
                 <a:latin typeface="Calibri"/>
                 <a:ea typeface="DejaVu Sans"/>
               </a:rPr>
-              <a:t>Table building blocks support top-row repetition as an option, </a:t>
-            </a:r>
-            <a:r>
-              <a:rPr lang="de-DE" sz="2000" i="1" spc="-1" dirty="0">
+              <a:t>Table building blocks support optional top-row repetition, </a:t>
+            </a:r>
+            <a:r>
+              <a:rPr lang="de-DE" sz="2000" b="1" i="1" spc="-1" dirty="0">
                 <a:solidFill>
                   <a:srgbClr val="000000"/>
                 </a:solidFill>
                 <a:latin typeface="Calibri"/>
                 <a:ea typeface="DejaVu Sans"/>
               </a:rPr>
-              <a:t>alternating</a:t>
+              <a:t>alternating row</a:t>
             </a:r>
             <a:r>
               <a:rPr lang="de-DE" sz="2000" spc="-1" dirty="0">
@@ -8255,17 +8272,17 @@
                 <a:latin typeface="Calibri"/>
                 <a:ea typeface="DejaVu Sans"/>
               </a:rPr>
-              <a:t> row and </a:t>
-            </a:r>
-            <a:r>
-              <a:rPr lang="de-DE" sz="2000" i="1" spc="-1" dirty="0">
+              <a:t> and </a:t>
+            </a:r>
+            <a:r>
+              <a:rPr lang="de-DE" sz="2000" b="1" i="1" spc="-1" dirty="0">
                 <a:solidFill>
                   <a:srgbClr val="000000"/>
                 </a:solidFill>
                 <a:latin typeface="Calibri"/>
                 <a:ea typeface="DejaVu Sans"/>
               </a:rPr>
-              <a:t>final</a:t>
+              <a:t>final row</a:t>
             </a:r>
             <a:r>
               <a:rPr lang="de-DE" sz="2000" spc="-1" dirty="0">
@@ -8275,7 +8292,7 @@
                 <a:latin typeface="Calibri"/>
                 <a:ea typeface="DejaVu Sans"/>
               </a:rPr>
-              <a:t> row background colors and images in table cells.</a:t>
+              <a:t> background colors and images in table cells.</a:t>
             </a:r>
           </a:p>
           <a:p>

--- a/reporting/pymupdf-reporting.pptx
+++ b/reporting/pymupdf-reporting.pptx
@@ -145,7 +145,7 @@
   <pc:docChgLst>
     <pc:chgData name="Harald Lieder" userId="ca2f8c5e4754aa01" providerId="LiveId" clId="{C1CCF4EA-234D-4410-B43C-0F6200305752}"/>
     <pc:docChg chg="undo custSel addSld delSld modSld sldOrd">
-      <pc:chgData name="Harald Lieder" userId="ca2f8c5e4754aa01" providerId="LiveId" clId="{C1CCF4EA-234D-4410-B43C-0F6200305752}" dt="2023-11-25T15:45:21.417" v="2324" actId="20577"/>
+      <pc:chgData name="Harald Lieder" userId="ca2f8c5e4754aa01" providerId="LiveId" clId="{C1CCF4EA-234D-4410-B43C-0F6200305752}" dt="2023-12-04T15:36:12.721" v="2400" actId="14100"/>
       <pc:docMkLst>
         <pc:docMk/>
       </pc:docMkLst>
@@ -188,19 +188,107 @@
         </pc:sldMkLst>
       </pc:sldChg>
       <pc:sldChg chg="modSp mod">
-        <pc:chgData name="Harald Lieder" userId="ca2f8c5e4754aa01" providerId="LiveId" clId="{C1CCF4EA-234D-4410-B43C-0F6200305752}" dt="2023-11-22T16:10:33.016" v="11" actId="20577"/>
+        <pc:chgData name="Harald Lieder" userId="ca2f8c5e4754aa01" providerId="LiveId" clId="{C1CCF4EA-234D-4410-B43C-0F6200305752}" dt="2023-12-04T15:36:12.721" v="2400" actId="14100"/>
         <pc:sldMkLst>
           <pc:docMk/>
           <pc:sldMk cId="0" sldId="259"/>
         </pc:sldMkLst>
         <pc:spChg chg="mod">
-          <ac:chgData name="Harald Lieder" userId="ca2f8c5e4754aa01" providerId="LiveId" clId="{C1CCF4EA-234D-4410-B43C-0F6200305752}" dt="2023-11-22T16:10:33.016" v="11" actId="20577"/>
+          <ac:chgData name="Harald Lieder" userId="ca2f8c5e4754aa01" providerId="LiveId" clId="{C1CCF4EA-234D-4410-B43C-0F6200305752}" dt="2023-12-04T15:34:18.047" v="2340" actId="255"/>
           <ac:spMkLst>
             <pc:docMk/>
             <pc:sldMk cId="0" sldId="259"/>
             <ac:spMk id="103" creationId="{00000000-0000-0000-0000-000000000000}"/>
           </ac:spMkLst>
         </pc:spChg>
+        <pc:spChg chg="mod">
+          <ac:chgData name="Harald Lieder" userId="ca2f8c5e4754aa01" providerId="LiveId" clId="{C1CCF4EA-234D-4410-B43C-0F6200305752}" dt="2023-12-04T15:35:18.246" v="2373" actId="1035"/>
+          <ac:spMkLst>
+            <pc:docMk/>
+            <pc:sldMk cId="0" sldId="259"/>
+            <ac:spMk id="105" creationId="{00000000-0000-0000-0000-000000000000}"/>
+          </ac:spMkLst>
+        </pc:spChg>
+        <pc:spChg chg="mod">
+          <ac:chgData name="Harald Lieder" userId="ca2f8c5e4754aa01" providerId="LiveId" clId="{C1CCF4EA-234D-4410-B43C-0F6200305752}" dt="2023-12-04T15:35:13.270" v="2364" actId="1035"/>
+          <ac:spMkLst>
+            <pc:docMk/>
+            <pc:sldMk cId="0" sldId="259"/>
+            <ac:spMk id="106" creationId="{00000000-0000-0000-0000-000000000000}"/>
+          </ac:spMkLst>
+        </pc:spChg>
+        <pc:spChg chg="mod">
+          <ac:chgData name="Harald Lieder" userId="ca2f8c5e4754aa01" providerId="LiveId" clId="{C1CCF4EA-234D-4410-B43C-0F6200305752}" dt="2023-12-04T15:35:23.795" v="2385" actId="1035"/>
+          <ac:spMkLst>
+            <pc:docMk/>
+            <pc:sldMk cId="0" sldId="259"/>
+            <ac:spMk id="107" creationId="{00000000-0000-0000-0000-000000000000}"/>
+          </ac:spMkLst>
+        </pc:spChg>
+        <pc:spChg chg="mod">
+          <ac:chgData name="Harald Lieder" userId="ca2f8c5e4754aa01" providerId="LiveId" clId="{C1CCF4EA-234D-4410-B43C-0F6200305752}" dt="2023-12-04T15:35:39.166" v="2390" actId="1035"/>
+          <ac:spMkLst>
+            <pc:docMk/>
+            <pc:sldMk cId="0" sldId="259"/>
+            <ac:spMk id="108" creationId="{00000000-0000-0000-0000-000000000000}"/>
+          </ac:spMkLst>
+        </pc:spChg>
+        <pc:spChg chg="mod">
+          <ac:chgData name="Harald Lieder" userId="ca2f8c5e4754aa01" providerId="LiveId" clId="{C1CCF4EA-234D-4410-B43C-0F6200305752}" dt="2023-12-04T15:35:50.403" v="2399" actId="14100"/>
+          <ac:spMkLst>
+            <pc:docMk/>
+            <pc:sldMk cId="0" sldId="259"/>
+            <ac:spMk id="110" creationId="{00000000-0000-0000-0000-000000000000}"/>
+          </ac:spMkLst>
+        </pc:spChg>
+        <pc:spChg chg="mod">
+          <ac:chgData name="Harald Lieder" userId="ca2f8c5e4754aa01" providerId="LiveId" clId="{C1CCF4EA-234D-4410-B43C-0F6200305752}" dt="2023-12-04T15:36:12.721" v="2400" actId="14100"/>
+          <ac:spMkLst>
+            <pc:docMk/>
+            <pc:sldMk cId="0" sldId="259"/>
+            <ac:spMk id="111" creationId="{00000000-0000-0000-0000-000000000000}"/>
+          </ac:spMkLst>
+        </pc:spChg>
+        <pc:spChg chg="mod">
+          <ac:chgData name="Harald Lieder" userId="ca2f8c5e4754aa01" providerId="LiveId" clId="{C1CCF4EA-234D-4410-B43C-0F6200305752}" dt="2023-12-04T15:34:41.208" v="2343" actId="14100"/>
+          <ac:spMkLst>
+            <pc:docMk/>
+            <pc:sldMk cId="0" sldId="259"/>
+            <ac:spMk id="112" creationId="{00000000-0000-0000-0000-000000000000}"/>
+          </ac:spMkLst>
+        </pc:spChg>
+        <pc:cxnChg chg="mod">
+          <ac:chgData name="Harald Lieder" userId="ca2f8c5e4754aa01" providerId="LiveId" clId="{C1CCF4EA-234D-4410-B43C-0F6200305752}" dt="2023-12-04T15:35:39.166" v="2390" actId="1035"/>
+          <ac:cxnSpMkLst>
+            <pc:docMk/>
+            <pc:sldMk cId="0" sldId="259"/>
+            <ac:cxnSpMk id="109" creationId="{00000000-0000-0000-0000-000000000000}"/>
+          </ac:cxnSpMkLst>
+        </pc:cxnChg>
+        <pc:cxnChg chg="mod">
+          <ac:chgData name="Harald Lieder" userId="ca2f8c5e4754aa01" providerId="LiveId" clId="{C1CCF4EA-234D-4410-B43C-0F6200305752}" dt="2023-12-04T15:35:50.403" v="2399" actId="14100"/>
+          <ac:cxnSpMkLst>
+            <pc:docMk/>
+            <pc:sldMk cId="0" sldId="259"/>
+            <ac:cxnSpMk id="113" creationId="{00000000-0000-0000-0000-000000000000}"/>
+          </ac:cxnSpMkLst>
+        </pc:cxnChg>
+        <pc:cxnChg chg="mod">
+          <ac:chgData name="Harald Lieder" userId="ca2f8c5e4754aa01" providerId="LiveId" clId="{C1CCF4EA-234D-4410-B43C-0F6200305752}" dt="2023-12-04T15:36:12.721" v="2400" actId="14100"/>
+          <ac:cxnSpMkLst>
+            <pc:docMk/>
+            <pc:sldMk cId="0" sldId="259"/>
+            <ac:cxnSpMk id="114" creationId="{00000000-0000-0000-0000-000000000000}"/>
+          </ac:cxnSpMkLst>
+        </pc:cxnChg>
+        <pc:cxnChg chg="mod">
+          <ac:chgData name="Harald Lieder" userId="ca2f8c5e4754aa01" providerId="LiveId" clId="{C1CCF4EA-234D-4410-B43C-0F6200305752}" dt="2023-12-04T15:35:23.795" v="2385" actId="1035"/>
+          <ac:cxnSpMkLst>
+            <pc:docMk/>
+            <pc:sldMk cId="0" sldId="259"/>
+            <ac:cxnSpMk id="115" creationId="{00000000-0000-0000-0000-000000000000}"/>
+          </ac:cxnSpMkLst>
+        </pc:cxnChg>
       </pc:sldChg>
       <pc:sldChg chg="modSp mod">
         <pc:chgData name="Harald Lieder" userId="ca2f8c5e4754aa01" providerId="LiveId" clId="{C1CCF4EA-234D-4410-B43C-0F6200305752}" dt="2023-11-25T15:45:21.417" v="2324" actId="20577"/>
@@ -9308,7 +9396,7 @@
         <p:spPr>
           <a:xfrm>
             <a:off x="526320" y="1238400"/>
-            <a:ext cx="5442480" cy="5261525"/>
+            <a:ext cx="5442480" cy="5046082"/>
           </a:xfrm>
           <a:prstGeom prst="rect">
             <a:avLst/>
@@ -9347,7 +9435,7 @@
               </a:lnSpc>
             </a:pPr>
             <a:r>
-              <a:rPr lang="en-US" sz="1200" b="0" strike="noStrike" spc="-1" dirty="0">
+              <a:rPr lang="en-US" sz="1150" b="0" strike="noStrike" spc="-1" dirty="0">
                 <a:solidFill>
                   <a:srgbClr val="008000"/>
                 </a:solidFill>
@@ -9356,7 +9444,7 @@
               </a:rPr>
               <a:t># import required objects</a:t>
             </a:r>
-            <a:endParaRPr lang="de-DE" sz="1200" b="0" strike="noStrike" spc="-1" dirty="0">
+            <a:endParaRPr lang="de-DE" sz="1150" b="0" strike="noStrike" spc="-1" dirty="0">
               <a:solidFill>
                 <a:srgbClr val="000000"/>
               </a:solidFill>
@@ -9370,7 +9458,7 @@
               </a:lnSpc>
             </a:pPr>
             <a:r>
-              <a:rPr lang="en-US" sz="1200" b="0" strike="noStrike" spc="-1" dirty="0">
+              <a:rPr lang="en-US" sz="1150" b="0" strike="noStrike" spc="-1" dirty="0">
                 <a:solidFill>
                   <a:srgbClr val="000000"/>
                 </a:solidFill>
@@ -9380,36 +9468,26 @@
               <a:t>from </a:t>
             </a:r>
             <a:r>
-              <a:rPr lang="en-US" sz="1200" b="0" strike="noStrike" spc="-1" err="1">
+              <a:rPr lang="en-US" sz="1150" b="0" strike="noStrike" spc="-1" dirty="0" err="1">
                 <a:solidFill>
                   <a:srgbClr val="000000"/>
                 </a:solidFill>
                 <a:latin typeface="Cascadia Code"/>
                 <a:ea typeface="DejaVu Sans"/>
               </a:rPr>
-              <a:t>fitz</a:t>
-            </a:r>
-            <a:r>
-              <a:rPr lang="en-US" sz="1200" b="0" strike="noStrike" spc="-1">
+              <a:t>fitz.reports</a:t>
+            </a:r>
+            <a:r>
+              <a:rPr lang="en-US" sz="1150" b="0" strike="noStrike" spc="-1" dirty="0">
                 <a:solidFill>
                   <a:srgbClr val="000000"/>
                 </a:solidFill>
                 <a:latin typeface="Cascadia Code"/>
                 <a:ea typeface="DejaVu Sans"/>
               </a:rPr>
-              <a:t>.reports </a:t>
-            </a:r>
-            <a:r>
-              <a:rPr lang="en-US" sz="1200" b="0" strike="noStrike" spc="-1" dirty="0">
-                <a:solidFill>
-                  <a:srgbClr val="000000"/>
-                </a:solidFill>
-                <a:latin typeface="Cascadia Code"/>
-                <a:ea typeface="DejaVu Sans"/>
-              </a:rPr>
-              <a:t>import Report, Table, Block </a:t>
-            </a:r>
-            <a:endParaRPr lang="de-DE" sz="1200" b="0" strike="noStrike" spc="-1" dirty="0">
+              <a:t> import * </a:t>
+            </a:r>
+            <a:endParaRPr lang="de-DE" sz="1150" b="0" strike="noStrike" spc="-1" dirty="0">
               <a:solidFill>
                 <a:srgbClr val="000000"/>
               </a:solidFill>
@@ -9423,7 +9501,7 @@
               </a:lnSpc>
             </a:pPr>
             <a:r>
-              <a:rPr lang="en-US" sz="1200" b="0" strike="noStrike" spc="-1" dirty="0">
+              <a:rPr lang="en-US" sz="1150" b="0" strike="noStrike" spc="-1" dirty="0">
                 <a:solidFill>
                   <a:srgbClr val="008000"/>
                 </a:solidFill>
@@ -9432,7 +9510,7 @@
               </a:rPr>
               <a:t># define the report object</a:t>
             </a:r>
-            <a:endParaRPr lang="de-DE" sz="1200" b="0" strike="noStrike" spc="-1" dirty="0">
+            <a:endParaRPr lang="de-DE" sz="1150" b="0" strike="noStrike" spc="-1" dirty="0">
               <a:solidFill>
                 <a:srgbClr val="000000"/>
               </a:solidFill>
@@ -9446,7 +9524,7 @@
               </a:lnSpc>
             </a:pPr>
             <a:r>
-              <a:rPr lang="en-US" sz="1200" b="0" strike="noStrike" spc="-1" dirty="0">
+              <a:rPr lang="en-US" sz="1150" b="0" strike="noStrike" spc="-1" dirty="0">
                 <a:solidFill>
                   <a:srgbClr val="000000"/>
                 </a:solidFill>
@@ -9456,7 +9534,7 @@
               <a:t>report = Report(</a:t>
             </a:r>
             <a:r>
-              <a:rPr lang="en-US" sz="1200" b="0" strike="noStrike" spc="-1" dirty="0" err="1">
+              <a:rPr lang="en-US" sz="1150" b="0" strike="noStrike" spc="-1" dirty="0" err="1">
                 <a:solidFill>
                   <a:srgbClr val="000000"/>
                 </a:solidFill>
@@ -9466,7 +9544,7 @@
               <a:t>mediabox</a:t>
             </a:r>
             <a:r>
-              <a:rPr lang="en-US" sz="1200" b="0" strike="noStrike" spc="-1" dirty="0">
+              <a:rPr lang="en-US" sz="1150" b="0" strike="noStrike" spc="-1" dirty="0">
                 <a:solidFill>
                   <a:srgbClr val="000000"/>
                 </a:solidFill>
@@ -9476,7 +9554,7 @@
               <a:t>)</a:t>
             </a:r>
             <a:r>
-              <a:rPr lang="en-US" sz="1200" b="0" strike="noStrike" spc="-1" dirty="0">
+              <a:rPr lang="en-US" sz="1150" b="0" strike="noStrike" spc="-1" dirty="0">
                 <a:solidFill>
                   <a:srgbClr val="000000"/>
                 </a:solidFill>
@@ -9486,7 +9564,7 @@
               <a:t>  </a:t>
             </a:r>
             <a:r>
-              <a:rPr lang="en-US" sz="1200" b="0" strike="noStrike" spc="-1" dirty="0">
+              <a:rPr lang="en-US" sz="1150" b="0" strike="noStrike" spc="-1" dirty="0">
                 <a:solidFill>
                   <a:srgbClr val="008000"/>
                 </a:solidFill>
@@ -9495,7 +9573,7 @@
               </a:rPr>
               <a:t># choose report page size</a:t>
             </a:r>
-            <a:endParaRPr lang="de-DE" sz="1200" b="0" strike="noStrike" spc="-1" dirty="0">
+            <a:endParaRPr lang="de-DE" sz="1150" b="0" strike="noStrike" spc="-1" dirty="0">
               <a:solidFill>
                 <a:srgbClr val="000000"/>
               </a:solidFill>
@@ -9508,7 +9586,7 @@
                 <a:spcPct val="100000"/>
               </a:lnSpc>
             </a:pPr>
-            <a:endParaRPr lang="de-DE" sz="1200" b="0" strike="noStrike" spc="-1" dirty="0">
+            <a:endParaRPr lang="de-DE" sz="1150" b="0" strike="noStrike" spc="-1" dirty="0">
               <a:solidFill>
                 <a:srgbClr val="000000"/>
               </a:solidFill>
@@ -9522,7 +9600,7 @@
               </a:lnSpc>
             </a:pPr>
             <a:r>
-              <a:rPr lang="en-US" sz="1200" b="0" strike="noStrike" spc="-1" dirty="0">
+              <a:rPr lang="en-US" sz="1150" b="0" strike="noStrike" spc="-1" dirty="0">
                 <a:solidFill>
                   <a:srgbClr val="000000"/>
                 </a:solidFill>
@@ -9532,7 +9610,7 @@
               <a:t>header = Block(html=</a:t>
             </a:r>
             <a:r>
-              <a:rPr lang="en-US" sz="1200" b="0" strike="noStrike" spc="-1" dirty="0" err="1">
+              <a:rPr lang="en-US" sz="1150" b="0" strike="noStrike" spc="-1" dirty="0" err="1">
                 <a:solidFill>
                   <a:srgbClr val="000000"/>
                 </a:solidFill>
@@ -9542,7 +9620,7 @@
               <a:t>header_html</a:t>
             </a:r>
             <a:r>
-              <a:rPr lang="en-US" sz="1200" b="0" strike="noStrike" spc="-1" dirty="0">
+              <a:rPr lang="en-US" sz="1150" b="0" strike="noStrike" spc="-1" dirty="0">
                 <a:solidFill>
                   <a:srgbClr val="000000"/>
                 </a:solidFill>
@@ -9551,7 +9629,7 @@
               </a:rPr>
               <a:t>, report=report)</a:t>
             </a:r>
-            <a:endParaRPr lang="de-DE" sz="1200" b="0" strike="noStrike" spc="-1" dirty="0">
+            <a:endParaRPr lang="de-DE" sz="1150" b="0" strike="noStrike" spc="-1" dirty="0">
               <a:solidFill>
                 <a:srgbClr val="000000"/>
               </a:solidFill>
@@ -9565,7 +9643,7 @@
               </a:lnSpc>
             </a:pPr>
             <a:r>
-              <a:rPr lang="en-US" sz="1200" b="0" strike="noStrike" spc="-1" dirty="0">
+              <a:rPr lang="en-US" sz="1150" b="0" strike="noStrike" spc="-1" dirty="0">
                 <a:solidFill>
                   <a:srgbClr val="000000"/>
                 </a:solidFill>
@@ -9575,7 +9653,7 @@
               <a:t>footer = Block(html=</a:t>
             </a:r>
             <a:r>
-              <a:rPr lang="en-US" sz="1200" b="0" strike="noStrike" spc="-1" dirty="0" err="1">
+              <a:rPr lang="en-US" sz="1150" b="0" strike="noStrike" spc="-1" dirty="0" err="1">
                 <a:solidFill>
                   <a:srgbClr val="000000"/>
                 </a:solidFill>
@@ -9585,7 +9663,7 @@
               <a:t>footer_html</a:t>
             </a:r>
             <a:r>
-              <a:rPr lang="en-US" sz="1200" b="0" strike="noStrike" spc="-1" dirty="0">
+              <a:rPr lang="en-US" sz="1150" b="0" strike="noStrike" spc="-1" dirty="0">
                 <a:solidFill>
                   <a:srgbClr val="000000"/>
                 </a:solidFill>
@@ -9594,7 +9672,7 @@
               </a:rPr>
               <a:t>, report=report)</a:t>
             </a:r>
-            <a:endParaRPr lang="de-DE" sz="1200" b="0" strike="noStrike" spc="-1" dirty="0">
+            <a:endParaRPr lang="de-DE" sz="1150" b="0" strike="noStrike" spc="-1" dirty="0">
               <a:solidFill>
                 <a:srgbClr val="000000"/>
               </a:solidFill>
@@ -9608,7 +9686,7 @@
               </a:lnSpc>
             </a:pPr>
             <a:r>
-              <a:rPr lang="en-US" sz="1200" b="0" strike="noStrike" spc="-1" dirty="0">
+              <a:rPr lang="en-US" sz="1150" b="0" strike="noStrike" spc="-1" dirty="0">
                 <a:solidFill>
                   <a:srgbClr val="000000"/>
                 </a:solidFill>
@@ -9618,7 +9696,7 @@
               <a:t>prolog = Block(html=</a:t>
             </a:r>
             <a:r>
-              <a:rPr lang="en-US" sz="1200" b="0" strike="noStrike" spc="-1" dirty="0" err="1">
+              <a:rPr lang="en-US" sz="1150" b="0" strike="noStrike" spc="-1" dirty="0" err="1">
                 <a:solidFill>
                   <a:srgbClr val="000000"/>
                 </a:solidFill>
@@ -9628,7 +9706,7 @@
               <a:t>prolog_html</a:t>
             </a:r>
             <a:r>
-              <a:rPr lang="en-US" sz="1200" b="0" strike="noStrike" spc="-1" dirty="0">
+              <a:rPr lang="en-US" sz="1150" b="0" strike="noStrike" spc="-1" dirty="0">
                 <a:solidFill>
                   <a:srgbClr val="000000"/>
                 </a:solidFill>
@@ -9637,7 +9715,7 @@
               </a:rPr>
               <a:t>, report=report)</a:t>
             </a:r>
-            <a:endParaRPr lang="de-DE" sz="1200" b="0" strike="noStrike" spc="-1" dirty="0">
+            <a:endParaRPr lang="de-DE" sz="1150" b="0" strike="noStrike" spc="-1" dirty="0">
               <a:solidFill>
                 <a:srgbClr val="000000"/>
               </a:solidFill>
@@ -9651,7 +9729,7 @@
               </a:lnSpc>
             </a:pPr>
             <a:r>
-              <a:rPr lang="en-US" sz="1200" b="0" strike="noStrike" spc="-1" dirty="0">
+              <a:rPr lang="en-US" sz="1150" b="0" strike="noStrike" spc="-1" dirty="0">
                 <a:solidFill>
                   <a:srgbClr val="000000"/>
                 </a:solidFill>
@@ -9661,7 +9739,7 @@
               <a:t>epilog = Block(html=</a:t>
             </a:r>
             <a:r>
-              <a:rPr lang="en-US" sz="1200" b="0" strike="noStrike" spc="-1" dirty="0" err="1">
+              <a:rPr lang="en-US" sz="1150" b="0" strike="noStrike" spc="-1" dirty="0" err="1">
                 <a:solidFill>
                   <a:srgbClr val="000000"/>
                 </a:solidFill>
@@ -9671,7 +9749,7 @@
               <a:t>epilog_html</a:t>
             </a:r>
             <a:r>
-              <a:rPr lang="en-US" sz="1200" b="0" strike="noStrike" spc="-1" dirty="0">
+              <a:rPr lang="en-US" sz="1150" b="0" strike="noStrike" spc="-1" dirty="0">
                 <a:solidFill>
                   <a:srgbClr val="000000"/>
                 </a:solidFill>
@@ -9680,7 +9758,7 @@
               </a:rPr>
               <a:t>, report=report)</a:t>
             </a:r>
-            <a:endParaRPr lang="de-DE" sz="1200" b="0" strike="noStrike" spc="-1" dirty="0">
+            <a:endParaRPr lang="de-DE" sz="1150" b="0" strike="noStrike" spc="-1" dirty="0">
               <a:solidFill>
                 <a:srgbClr val="000000"/>
               </a:solidFill>
@@ -9693,7 +9771,7 @@
                 <a:spcPct val="100000"/>
               </a:lnSpc>
             </a:pPr>
-            <a:endParaRPr lang="de-DE" sz="1200" b="0" strike="noStrike" spc="-1" dirty="0">
+            <a:endParaRPr lang="de-DE" sz="1150" b="0" strike="noStrike" spc="-1" dirty="0">
               <a:solidFill>
                 <a:srgbClr val="000000"/>
               </a:solidFill>
@@ -9707,7 +9785,7 @@
               </a:lnSpc>
             </a:pPr>
             <a:r>
-              <a:rPr lang="de-DE" sz="1200" b="0" strike="noStrike" spc="-1" dirty="0">
+              <a:rPr lang="de-DE" sz="1150" b="0" strike="noStrike" spc="-1" dirty="0">
                 <a:solidFill>
                   <a:srgbClr val="000000"/>
                 </a:solidFill>
@@ -9716,7 +9794,7 @@
               </a:rPr>
               <a:t>def fetch_rows():</a:t>
             </a:r>
-            <a:endParaRPr lang="de-DE" sz="1200" b="0" strike="noStrike" spc="-1" dirty="0">
+            <a:endParaRPr lang="de-DE" sz="1150" b="0" strike="noStrike" spc="-1" dirty="0">
               <a:solidFill>
                 <a:srgbClr val="000000"/>
               </a:solidFill>
@@ -9730,7 +9808,7 @@
               </a:lnSpc>
             </a:pPr>
             <a:r>
-              <a:rPr lang="de-DE" sz="1200" b="0" strike="noStrike" spc="-1" dirty="0">
+              <a:rPr lang="de-DE" sz="1150" b="0" strike="noStrike" spc="-1" dirty="0">
                 <a:solidFill>
                   <a:srgbClr val="000000"/>
                 </a:solidFill>
@@ -9740,7 +9818,7 @@
               <a:t>    </a:t>
             </a:r>
             <a:r>
-              <a:rPr lang="de-DE" sz="1200" b="0" strike="noStrike" spc="-1" dirty="0">
+              <a:rPr lang="de-DE" sz="1150" b="0" strike="noStrike" spc="-1" dirty="0">
                 <a:solidFill>
                   <a:srgbClr val="A31515"/>
                 </a:solidFill>
@@ -9749,7 +9827,7 @@
               </a:rPr>
               <a:t>""Access databases and return row items."""</a:t>
             </a:r>
-            <a:endParaRPr lang="de-DE" sz="1200" b="0" strike="noStrike" spc="-1" dirty="0">
+            <a:endParaRPr lang="de-DE" sz="1150" b="0" strike="noStrike" spc="-1" dirty="0">
               <a:solidFill>
                 <a:srgbClr val="000000"/>
               </a:solidFill>
@@ -9763,7 +9841,7 @@
               </a:lnSpc>
             </a:pPr>
             <a:r>
-              <a:rPr lang="de-DE" sz="1200" b="0" strike="noStrike" spc="-1" dirty="0">
+              <a:rPr lang="de-DE" sz="1150" b="0" strike="noStrike" spc="-1" dirty="0">
                 <a:solidFill>
                   <a:srgbClr val="A31515"/>
                 </a:solidFill>
@@ -9772,7 +9850,7 @@
               </a:rPr>
               <a:t>    ...</a:t>
             </a:r>
-            <a:endParaRPr lang="de-DE" sz="1200" b="0" strike="noStrike" spc="-1" dirty="0">
+            <a:endParaRPr lang="de-DE" sz="1150" b="0" strike="noStrike" spc="-1" dirty="0">
               <a:solidFill>
                 <a:srgbClr val="000000"/>
               </a:solidFill>
@@ -9786,7 +9864,7 @@
               </a:lnSpc>
             </a:pPr>
             <a:r>
-              <a:rPr lang="de-DE" sz="1200" b="0" strike="noStrike" spc="-1" dirty="0">
+              <a:rPr lang="de-DE" sz="1150" b="0" strike="noStrike" spc="-1" dirty="0">
                 <a:solidFill>
                   <a:srgbClr val="000000"/>
                 </a:solidFill>
@@ -9795,7 +9873,7 @@
               </a:rPr>
               <a:t>    return rows</a:t>
             </a:r>
-            <a:endParaRPr lang="de-DE" sz="1200" b="0" strike="noStrike" spc="-1" dirty="0">
+            <a:endParaRPr lang="de-DE" sz="1150" b="0" strike="noStrike" spc="-1" dirty="0">
               <a:solidFill>
                 <a:srgbClr val="000000"/>
               </a:solidFill>
@@ -9808,7 +9886,7 @@
                 <a:spcPct val="100000"/>
               </a:lnSpc>
             </a:pPr>
-            <a:endParaRPr lang="de-DE" sz="1200" b="0" strike="noStrike" spc="-1" dirty="0">
+            <a:endParaRPr lang="de-DE" sz="1150" b="0" strike="noStrike" spc="-1" dirty="0">
               <a:solidFill>
                 <a:srgbClr val="000000"/>
               </a:solidFill>
@@ -9822,7 +9900,7 @@
               </a:lnSpc>
             </a:pPr>
             <a:r>
-              <a:rPr lang="de-DE" sz="1200" b="0" strike="noStrike" spc="-1" dirty="0">
+              <a:rPr lang="de-DE" sz="1150" b="0" strike="noStrike" spc="-1" dirty="0">
                 <a:solidFill>
                   <a:srgbClr val="000000"/>
                 </a:solidFill>
@@ -9831,7 +9909,7 @@
               </a:rPr>
               <a:t>items = Table(</a:t>
             </a:r>
-            <a:endParaRPr lang="de-DE" sz="1200" b="0" strike="noStrike" spc="-1" dirty="0">
+            <a:endParaRPr lang="de-DE" sz="1150" b="0" strike="noStrike" spc="-1" dirty="0">
               <a:solidFill>
                 <a:srgbClr val="000000"/>
               </a:solidFill>
@@ -9845,7 +9923,7 @@
               </a:lnSpc>
             </a:pPr>
             <a:r>
-              <a:rPr lang="de-DE" sz="1200" b="0" strike="noStrike" spc="-1" dirty="0">
+              <a:rPr lang="de-DE" sz="1150" b="0" strike="noStrike" spc="-1" dirty="0">
                 <a:solidFill>
                   <a:srgbClr val="000000"/>
                 </a:solidFill>
@@ -9855,7 +9933,7 @@
               <a:t>    report=report,</a:t>
             </a:r>
             <a:r>
-              <a:rPr lang="de-DE" sz="1200" b="0" strike="noStrike" spc="-1" dirty="0">
+              <a:rPr lang="de-DE" sz="1150" b="0" strike="noStrike" spc="-1" dirty="0">
                 <a:solidFill>
                   <a:srgbClr val="008000"/>
                 </a:solidFill>
@@ -9864,7 +9942,7 @@
               </a:rPr>
               <a:t>  # point to owning report</a:t>
             </a:r>
-            <a:endParaRPr lang="de-DE" sz="1200" b="0" strike="noStrike" spc="-1" dirty="0">
+            <a:endParaRPr lang="de-DE" sz="1150" b="0" strike="noStrike" spc="-1" dirty="0">
               <a:solidFill>
                 <a:srgbClr val="000000"/>
               </a:solidFill>
@@ -9878,7 +9956,7 @@
               </a:lnSpc>
             </a:pPr>
             <a:r>
-              <a:rPr lang="de-DE" sz="1200" b="0" strike="noStrike" spc="-1" dirty="0">
+              <a:rPr lang="de-DE" sz="1150" b="0" strike="noStrike" spc="-1" dirty="0">
                 <a:solidFill>
                   <a:srgbClr val="000000"/>
                 </a:solidFill>
@@ -9888,7 +9966,7 @@
               <a:t>    html=items_html,</a:t>
             </a:r>
             <a:r>
-              <a:rPr lang="de-DE" sz="1200" b="0" strike="noStrike" spc="-1" dirty="0">
+              <a:rPr lang="de-DE" sz="1150" b="0" strike="noStrike" spc="-1" dirty="0">
                 <a:solidFill>
                   <a:srgbClr val="008000"/>
                 </a:solidFill>
@@ -9897,7 +9975,7 @@
               </a:rPr>
               <a:t>  # HTML definition of table items</a:t>
             </a:r>
-            <a:endParaRPr lang="de-DE" sz="1200" b="0" strike="noStrike" spc="-1" dirty="0">
+            <a:endParaRPr lang="de-DE" sz="1150" b="0" strike="noStrike" spc="-1" dirty="0">
               <a:solidFill>
                 <a:srgbClr val="000000"/>
               </a:solidFill>
@@ -9911,7 +9989,7 @@
               </a:lnSpc>
             </a:pPr>
             <a:r>
-              <a:rPr lang="de-DE" sz="1200" b="0" strike="noStrike" spc="-1" dirty="0">
+              <a:rPr lang="de-DE" sz="1150" b="0" strike="noStrike" spc="-1" dirty="0">
                 <a:solidFill>
                   <a:srgbClr val="000000"/>
                 </a:solidFill>
@@ -9921,7 +9999,7 @@
               <a:t>    top_row=</a:t>
             </a:r>
             <a:r>
-              <a:rPr lang="de-DE" sz="1200" b="0" strike="noStrike" spc="-1" dirty="0">
+              <a:rPr lang="de-DE" sz="1150" b="0" strike="noStrike" spc="-1" dirty="0">
                 <a:solidFill>
                   <a:srgbClr val="A31515"/>
                 </a:solidFill>
@@ -9931,7 +10009,7 @@
               <a:t>"toprow"</a:t>
             </a:r>
             <a:r>
-              <a:rPr lang="de-DE" sz="1200" b="0" strike="noStrike" spc="-1" dirty="0">
+              <a:rPr lang="de-DE" sz="1150" b="0" strike="noStrike" spc="-1" dirty="0">
                 <a:solidFill>
                   <a:srgbClr val="000000"/>
                 </a:solidFill>
@@ -9941,7 +10019,7 @@
               <a:t>,  </a:t>
             </a:r>
             <a:r>
-              <a:rPr lang="de-DE" sz="1200" b="0" strike="noStrike" spc="-1" dirty="0">
+              <a:rPr lang="de-DE" sz="1150" b="0" strike="noStrike" spc="-1" dirty="0">
                 <a:solidFill>
                   <a:srgbClr val="008000"/>
                 </a:solidFill>
@@ -9950,7 +10028,7 @@
               </a:rPr>
               <a:t># name of top row in table</a:t>
             </a:r>
-            <a:endParaRPr lang="de-DE" sz="1200" b="0" strike="noStrike" spc="-1" dirty="0">
+            <a:endParaRPr lang="de-DE" sz="1150" b="0" strike="noStrike" spc="-1" dirty="0">
               <a:solidFill>
                 <a:srgbClr val="000000"/>
               </a:solidFill>
@@ -9964,7 +10042,7 @@
               </a:lnSpc>
             </a:pPr>
             <a:r>
-              <a:rPr lang="de-DE" sz="1200" b="0" strike="noStrike" spc="-1" dirty="0">
+              <a:rPr lang="de-DE" sz="1150" b="0" strike="noStrike" spc="-1" dirty="0">
                 <a:solidFill>
                   <a:srgbClr val="000000"/>
                 </a:solidFill>
@@ -9974,7 +10052,7 @@
               <a:t>    fetch_rows=fetch_rows,</a:t>
             </a:r>
             <a:r>
-              <a:rPr lang="de-DE" sz="1200" b="0" strike="noStrike" spc="-1" dirty="0">
+              <a:rPr lang="de-DE" sz="1150" b="0" strike="noStrike" spc="-1" dirty="0">
                 <a:solidFill>
                   <a:srgbClr val="008000"/>
                 </a:solidFill>
@@ -9983,7 +10061,7 @@
               </a:rPr>
               <a:t>  # call this to get item data</a:t>
             </a:r>
-            <a:endParaRPr lang="de-DE" sz="1200" b="0" strike="noStrike" spc="-1" dirty="0">
+            <a:endParaRPr lang="de-DE" sz="1150" b="0" strike="noStrike" spc="-1" dirty="0">
               <a:solidFill>
                 <a:srgbClr val="000000"/>
               </a:solidFill>
@@ -9997,7 +10075,7 @@
               </a:lnSpc>
             </a:pPr>
             <a:r>
-              <a:rPr lang="de-DE" sz="1200" b="0" strike="noStrike" spc="-1" dirty="0">
+              <a:rPr lang="de-DE" sz="1150" b="0" strike="noStrike" spc="-1" dirty="0">
                 <a:solidFill>
                   <a:srgbClr val="000000"/>
                 </a:solidFill>
@@ -10007,7 +10085,7 @@
               <a:t>    </a:t>
             </a:r>
             <a:r>
-              <a:rPr lang="de-DE" sz="1200" b="0" strike="noStrike" spc="-1" dirty="0">
+              <a:rPr lang="de-DE" sz="1150" b="0" strike="noStrike" spc="-1" dirty="0">
                 <a:solidFill>
                   <a:srgbClr val="008000"/>
                 </a:solidFill>
@@ -10016,7 +10094,7 @@
               </a:rPr>
               <a:t># alternating background colors of rows</a:t>
             </a:r>
-            <a:endParaRPr lang="de-DE" sz="1200" b="0" strike="noStrike" spc="-1" dirty="0">
+            <a:endParaRPr lang="de-DE" sz="1150" b="0" strike="noStrike" spc="-1" dirty="0">
               <a:solidFill>
                 <a:srgbClr val="000000"/>
               </a:solidFill>
@@ -10030,7 +10108,7 @@
               </a:lnSpc>
             </a:pPr>
             <a:r>
-              <a:rPr lang="de-DE" sz="1200" b="0" strike="noStrike" spc="-1" dirty="0">
+              <a:rPr lang="de-DE" sz="1150" b="0" strike="noStrike" spc="-1" dirty="0">
                 <a:solidFill>
                   <a:srgbClr val="000000"/>
                 </a:solidFill>
@@ -10040,7 +10118,7 @@
               <a:t>    alternating_bg=(</a:t>
             </a:r>
             <a:r>
-              <a:rPr lang="de-DE" sz="1200" b="0" strike="noStrike" spc="-1" dirty="0">
+              <a:rPr lang="de-DE" sz="1150" b="0" strike="noStrike" spc="-1" dirty="0">
                 <a:solidFill>
                   <a:srgbClr val="A31515"/>
                 </a:solidFill>
@@ -10050,7 +10128,7 @@
               <a:t>"#ccc"</a:t>
             </a:r>
             <a:r>
-              <a:rPr lang="de-DE" sz="1200" b="0" strike="noStrike" spc="-1" dirty="0">
+              <a:rPr lang="de-DE" sz="1150" b="0" strike="noStrike" spc="-1" dirty="0">
                 <a:solidFill>
                   <a:srgbClr val="000000"/>
                 </a:solidFill>
@@ -10060,7 +10138,7 @@
               <a:t>, </a:t>
             </a:r>
             <a:r>
-              <a:rPr lang="de-DE" sz="1200" b="0" strike="noStrike" spc="-1" dirty="0">
+              <a:rPr lang="de-DE" sz="1150" b="0" strike="noStrike" spc="-1" dirty="0">
                 <a:solidFill>
                   <a:srgbClr val="A31515"/>
                 </a:solidFill>
@@ -10070,7 +10148,7 @@
               <a:t>"#aaa"</a:t>
             </a:r>
             <a:r>
-              <a:rPr lang="de-DE" sz="1200" b="0" strike="noStrike" spc="-1" dirty="0">
+              <a:rPr lang="de-DE" sz="1150" b="0" strike="noStrike" spc="-1" dirty="0">
                 <a:solidFill>
                   <a:srgbClr val="000000"/>
                 </a:solidFill>
@@ -10080,7 +10158,7 @@
               <a:t>, </a:t>
             </a:r>
             <a:r>
-              <a:rPr lang="de-DE" sz="1200" b="0" strike="noStrike" spc="-1" dirty="0">
+              <a:rPr lang="de-DE" sz="1150" b="0" strike="noStrike" spc="-1" dirty="0">
                 <a:solidFill>
                   <a:srgbClr val="A31515"/>
                 </a:solidFill>
@@ -10090,7 +10168,7 @@
               <a:t>"#fff"</a:t>
             </a:r>
             <a:r>
-              <a:rPr lang="de-DE" sz="1200" b="0" strike="noStrike" spc="-1" dirty="0">
+              <a:rPr lang="de-DE" sz="1150" b="0" strike="noStrike" spc="-1" dirty="0">
                 <a:solidFill>
                   <a:srgbClr val="000000"/>
                 </a:solidFill>
@@ -10099,7 +10177,7 @@
               </a:rPr>
               <a:t>),</a:t>
             </a:r>
-            <a:endParaRPr lang="de-DE" sz="1200" b="0" strike="noStrike" spc="-1" dirty="0">
+            <a:endParaRPr lang="de-DE" sz="1150" b="0" strike="noStrike" spc="-1" dirty="0">
               <a:solidFill>
                 <a:srgbClr val="000000"/>
               </a:solidFill>
@@ -10113,7 +10191,7 @@
               </a:lnSpc>
             </a:pPr>
             <a:r>
-              <a:rPr lang="de-DE" sz="1200" b="0" strike="noStrike" spc="-1" dirty="0">
+              <a:rPr lang="de-DE" sz="1150" b="0" strike="noStrike" spc="-1" dirty="0">
                 <a:solidFill>
                   <a:srgbClr val="000000"/>
                 </a:solidFill>
@@ -10122,7 +10200,7 @@
               </a:rPr>
               <a:t>)</a:t>
             </a:r>
-            <a:endParaRPr lang="de-DE" sz="1200" b="0" strike="noStrike" spc="-1" dirty="0">
+            <a:endParaRPr lang="de-DE" sz="1150" b="0" strike="noStrike" spc="-1" dirty="0">
               <a:solidFill>
                 <a:srgbClr val="000000"/>
               </a:solidFill>
@@ -10135,7 +10213,7 @@
                 <a:spcPct val="100000"/>
               </a:lnSpc>
             </a:pPr>
-            <a:endParaRPr lang="de-DE" sz="1200" b="0" strike="noStrike" spc="-1" dirty="0">
+            <a:endParaRPr lang="de-DE" sz="1150" b="0" strike="noStrike" spc="-1" dirty="0">
               <a:solidFill>
                 <a:srgbClr val="000000"/>
               </a:solidFill>
@@ -10149,7 +10227,7 @@
               </a:lnSpc>
             </a:pPr>
             <a:r>
-              <a:rPr lang="de-DE" sz="1200" b="0" strike="noStrike" spc="-1" dirty="0">
+              <a:rPr lang="de-DE" sz="1150" b="0" strike="noStrike" spc="-1" dirty="0">
                 <a:solidFill>
                   <a:srgbClr val="000000"/>
                 </a:solidFill>
@@ -10158,7 +10236,7 @@
               </a:rPr>
               <a:t>report.header = header</a:t>
             </a:r>
-            <a:endParaRPr lang="de-DE" sz="1200" b="0" strike="noStrike" spc="-1" dirty="0">
+            <a:endParaRPr lang="de-DE" sz="1150" b="0" strike="noStrike" spc="-1" dirty="0">
               <a:solidFill>
                 <a:srgbClr val="000000"/>
               </a:solidFill>
@@ -10172,7 +10250,7 @@
               </a:lnSpc>
             </a:pPr>
             <a:r>
-              <a:rPr lang="de-DE" sz="1200" b="0" strike="noStrike" spc="-1" dirty="0">
+              <a:rPr lang="de-DE" sz="1150" b="0" strike="noStrike" spc="-1" dirty="0">
                 <a:solidFill>
                   <a:srgbClr val="000000"/>
                 </a:solidFill>
@@ -10181,7 +10259,7 @@
               </a:rPr>
               <a:t>report.footer = footer</a:t>
             </a:r>
-            <a:endParaRPr lang="de-DE" sz="1200" b="0" strike="noStrike" spc="-1" dirty="0">
+            <a:endParaRPr lang="de-DE" sz="1150" b="0" strike="noStrike" spc="-1" dirty="0">
               <a:solidFill>
                 <a:srgbClr val="000000"/>
               </a:solidFill>
@@ -10195,16 +10273,16 @@
               </a:lnSpc>
             </a:pPr>
             <a:r>
-              <a:rPr lang="de-DE" sz="1200" b="0" strike="noStrike" spc="-1" dirty="0">
+              <a:rPr lang="de-DE" sz="1150" b="0" strike="noStrike" spc="-1" dirty="0">
                 <a:solidFill>
                   <a:srgbClr val="000000"/>
                 </a:solidFill>
                 <a:latin typeface="Cascadia Code"/>
                 <a:ea typeface="Roboto Mono"/>
               </a:rPr>
-              <a:t>report.sections = [prolog, [items, 2], epilog]</a:t>
-            </a:r>
-            <a:endParaRPr lang="de-DE" sz="1200" b="0" strike="noStrike" spc="-1" dirty="0">
+              <a:t>report.sections = [prolog, [items, Options(cols=2)], epilog]</a:t>
+            </a:r>
+            <a:endParaRPr lang="de-DE" sz="1150" b="0" strike="noStrike" spc="-1" dirty="0">
               <a:solidFill>
                 <a:srgbClr val="000000"/>
               </a:solidFill>
@@ -10218,7 +10296,7 @@
               </a:lnSpc>
             </a:pPr>
             <a:r>
-              <a:rPr lang="de-DE" sz="1200" b="0" strike="noStrike" spc="-1" dirty="0">
+              <a:rPr lang="de-DE" sz="1150" b="0" strike="noStrike" spc="-1" dirty="0">
                 <a:solidFill>
                   <a:srgbClr val="000000"/>
                 </a:solidFill>
@@ -10228,7 +10306,7 @@
               <a:t>report.run(</a:t>
             </a:r>
             <a:r>
-              <a:rPr lang="de-DE" sz="1200" b="0" strike="noStrike" spc="-1" dirty="0">
+              <a:rPr lang="de-DE" sz="1150" b="0" strike="noStrike" spc="-1" dirty="0">
                 <a:solidFill>
                   <a:srgbClr val="A31515"/>
                 </a:solidFill>
@@ -10238,7 +10316,7 @@
               <a:t>"output.pdf"</a:t>
             </a:r>
             <a:r>
-              <a:rPr lang="de-DE" sz="1200" b="0" strike="noStrike" spc="-1" dirty="0">
+              <a:rPr lang="de-DE" sz="1150" b="0" strike="noStrike" spc="-1" dirty="0">
                 <a:solidFill>
                   <a:srgbClr val="000000"/>
                 </a:solidFill>
@@ -10247,7 +10325,7 @@
               </a:rPr>
               <a:t>)</a:t>
             </a:r>
-            <a:endParaRPr lang="de-DE" sz="1200" b="0" strike="noStrike" spc="-1" dirty="0">
+            <a:endParaRPr lang="de-DE" sz="1150" b="0" strike="noStrike" spc="-1" dirty="0">
               <a:solidFill>
                 <a:srgbClr val="000000"/>
               </a:solidFill>
@@ -10358,7 +10436,7 @@
         </p:nvSpPr>
         <p:spPr>
           <a:xfrm>
-            <a:off x="6332400" y="3141000"/>
+            <a:off x="6332400" y="3065499"/>
             <a:ext cx="2058840" cy="728640"/>
           </a:xfrm>
           <a:prstGeom prst="rect">
@@ -10431,7 +10509,7 @@
         </p:nvSpPr>
         <p:spPr>
           <a:xfrm>
-            <a:off x="6332400" y="4505040"/>
+            <a:off x="6332400" y="4345649"/>
             <a:ext cx="1881720" cy="515520"/>
           </a:xfrm>
           <a:prstGeom prst="rect">
@@ -10504,7 +10582,7 @@
         </p:nvSpPr>
         <p:spPr>
           <a:xfrm>
-            <a:off x="6292440" y="5575320"/>
+            <a:off x="6292440" y="5373984"/>
             <a:ext cx="2265480" cy="941760"/>
           </a:xfrm>
           <a:prstGeom prst="rect">
@@ -10577,7 +10655,7 @@
         </p:nvSpPr>
         <p:spPr>
           <a:xfrm>
-            <a:off x="526320" y="2154960"/>
+            <a:off x="526320" y="2113015"/>
             <a:ext cx="5442480" cy="842040"/>
           </a:xfrm>
           <a:prstGeom prst="rect">
@@ -10635,9 +10713,9 @@
           <p:nvPr/>
         </p:nvCxnSpPr>
         <p:spPr>
-          <a:xfrm flipH="1">
-            <a:off x="5968800" y="2567880"/>
-            <a:ext cx="363960" cy="8280"/>
+          <a:xfrm flipH="1" flipV="1">
+            <a:off x="5968800" y="2534035"/>
+            <a:ext cx="363600" cy="33845"/>
           </a:xfrm>
           <a:prstGeom prst="straightConnector1">
             <a:avLst/>
@@ -10659,8 +10737,8 @@
         </p:nvSpPr>
         <p:spPr>
           <a:xfrm>
-            <a:off x="526320" y="3088440"/>
-            <a:ext cx="5442480" cy="842040"/>
+            <a:off x="526320" y="3021328"/>
+            <a:ext cx="5442480" cy="741510"/>
           </a:xfrm>
           <a:prstGeom prst="rect">
             <a:avLst/>
@@ -10715,8 +10793,8 @@
         </p:nvSpPr>
         <p:spPr>
           <a:xfrm>
-            <a:off x="526320" y="3994920"/>
-            <a:ext cx="5442480" cy="1547280"/>
+            <a:off x="526320" y="3839419"/>
+            <a:ext cx="5442480" cy="1530681"/>
           </a:xfrm>
           <a:prstGeom prst="rect">
             <a:avLst/>
@@ -10771,8 +10849,8 @@
         </p:nvSpPr>
         <p:spPr>
           <a:xfrm>
-            <a:off x="526320" y="5595120"/>
-            <a:ext cx="5442480" cy="892800"/>
+            <a:off x="526320" y="5456122"/>
+            <a:ext cx="5442480" cy="828360"/>
           </a:xfrm>
           <a:prstGeom prst="rect">
             <a:avLst/>
@@ -10823,15 +10901,16 @@
         <p:nvCxnSpPr>
           <p:cNvPr id="113" name="Straight Arrow Connector 21"/>
           <p:cNvCxnSpPr>
+            <a:cxnSpLocks/>
             <a:stCxn id="105" idx="1"/>
             <a:endCxn id="110" idx="3"/>
           </p:cNvCxnSpPr>
           <p:nvPr/>
         </p:nvCxnSpPr>
         <p:spPr>
-          <a:xfrm flipH="1">
-            <a:off x="5968800" y="3505320"/>
-            <a:ext cx="363960" cy="4320"/>
+          <a:xfrm flipH="1" flipV="1">
+            <a:off x="5968800" y="3392083"/>
+            <a:ext cx="363600" cy="37736"/>
           </a:xfrm>
           <a:prstGeom prst="straightConnector1">
             <a:avLst/>
@@ -10849,6 +10928,7 @@
         <p:nvCxnSpPr>
           <p:cNvPr id="114" name="Straight Arrow Connector 24"/>
           <p:cNvCxnSpPr>
+            <a:cxnSpLocks/>
             <a:stCxn id="106" idx="1"/>
             <a:endCxn id="111" idx="3"/>
           </p:cNvCxnSpPr>
@@ -10856,8 +10936,8 @@
         </p:nvCxnSpPr>
         <p:spPr>
           <a:xfrm flipH="1">
-            <a:off x="5968800" y="4762800"/>
-            <a:ext cx="363960" cy="6120"/>
+            <a:off x="5968800" y="4603409"/>
+            <a:ext cx="363600" cy="1351"/>
           </a:xfrm>
           <a:prstGeom prst="straightConnector1">
             <a:avLst/>
@@ -10875,15 +10955,16 @@
         <p:nvCxnSpPr>
           <p:cNvPr id="115" name="Straight Arrow Connector 27"/>
           <p:cNvCxnSpPr>
+            <a:cxnSpLocks/>
             <a:stCxn id="107" idx="1"/>
             <a:endCxn id="112" idx="3"/>
           </p:cNvCxnSpPr>
           <p:nvPr/>
         </p:nvCxnSpPr>
         <p:spPr>
-          <a:xfrm flipH="1" flipV="1">
-            <a:off x="5968800" y="6041520"/>
-            <a:ext cx="324000" cy="5040"/>
+          <a:xfrm flipH="1">
+            <a:off x="5968800" y="5844864"/>
+            <a:ext cx="323640" cy="25438"/>
           </a:xfrm>
           <a:prstGeom prst="straightConnector1">
             <a:avLst/>
